--- a/documents/poster/ELEC301 Final Poster CV-GPU.pptx
+++ b/documents/poster/ELEC301 Final Poster CV-GPU.pptx
@@ -104,6 +104,11 @@
       </a:defRPr>
     </a:lvl9pPr>
   </p:defaultTextStyle>
+  <p:extLst>
+    <p:ext uri="{EFAFB233-063F-42B5-8137-9DF3F51BA10A}">
+      <p15:sldGuideLst xmlns:p15="http://schemas.microsoft.com/office/powerpoint/2012/main"/>
+    </p:ext>
+  </p:extLst>
 </p:presentation>
 </file>
 
@@ -238,7 +243,7 @@
           <a:p>
             <a:fld id="{C8F3AB91-D688-2846-A18C-8D2B3633C5EA}" type="datetimeFigureOut">
               <a:rPr lang="en-US" smtClean="0"/>
-              <a:t>12/1/15</a:t>
+              <a:t>12/7/15</a:t>
             </a:fld>
             <a:endParaRPr lang="en-US"/>
           </a:p>
@@ -408,7 +413,7 @@
           <a:p>
             <a:fld id="{C8F3AB91-D688-2846-A18C-8D2B3633C5EA}" type="datetimeFigureOut">
               <a:rPr lang="en-US" smtClean="0"/>
-              <a:t>12/1/15</a:t>
+              <a:t>12/7/15</a:t>
             </a:fld>
             <a:endParaRPr lang="en-US"/>
           </a:p>
@@ -588,7 +593,7 @@
           <a:p>
             <a:fld id="{C8F3AB91-D688-2846-A18C-8D2B3633C5EA}" type="datetimeFigureOut">
               <a:rPr lang="en-US" smtClean="0"/>
-              <a:t>12/1/15</a:t>
+              <a:t>12/7/15</a:t>
             </a:fld>
             <a:endParaRPr lang="en-US"/>
           </a:p>
@@ -758,7 +763,7 @@
           <a:p>
             <a:fld id="{C8F3AB91-D688-2846-A18C-8D2B3633C5EA}" type="datetimeFigureOut">
               <a:rPr lang="en-US" smtClean="0"/>
-              <a:t>12/1/15</a:t>
+              <a:t>12/7/15</a:t>
             </a:fld>
             <a:endParaRPr lang="en-US"/>
           </a:p>
@@ -1002,7 +1007,7 @@
           <a:p>
             <a:fld id="{C8F3AB91-D688-2846-A18C-8D2B3633C5EA}" type="datetimeFigureOut">
               <a:rPr lang="en-US" smtClean="0"/>
-              <a:t>12/1/15</a:t>
+              <a:t>12/7/15</a:t>
             </a:fld>
             <a:endParaRPr lang="en-US"/>
           </a:p>
@@ -1234,7 +1239,7 @@
           <a:p>
             <a:fld id="{C8F3AB91-D688-2846-A18C-8D2B3633C5EA}" type="datetimeFigureOut">
               <a:rPr lang="en-US" smtClean="0"/>
-              <a:t>12/1/15</a:t>
+              <a:t>12/7/15</a:t>
             </a:fld>
             <a:endParaRPr lang="en-US"/>
           </a:p>
@@ -1601,7 +1606,7 @@
           <a:p>
             <a:fld id="{C8F3AB91-D688-2846-A18C-8D2B3633C5EA}" type="datetimeFigureOut">
               <a:rPr lang="en-US" smtClean="0"/>
-              <a:t>12/1/15</a:t>
+              <a:t>12/7/15</a:t>
             </a:fld>
             <a:endParaRPr lang="en-US"/>
           </a:p>
@@ -1719,7 +1724,7 @@
           <a:p>
             <a:fld id="{C8F3AB91-D688-2846-A18C-8D2B3633C5EA}" type="datetimeFigureOut">
               <a:rPr lang="en-US" smtClean="0"/>
-              <a:t>12/1/15</a:t>
+              <a:t>12/7/15</a:t>
             </a:fld>
             <a:endParaRPr lang="en-US"/>
           </a:p>
@@ -1814,7 +1819,7 @@
           <a:p>
             <a:fld id="{C8F3AB91-D688-2846-A18C-8D2B3633C5EA}" type="datetimeFigureOut">
               <a:rPr lang="en-US" smtClean="0"/>
-              <a:t>12/1/15</a:t>
+              <a:t>12/7/15</a:t>
             </a:fld>
             <a:endParaRPr lang="en-US"/>
           </a:p>
@@ -2091,7 +2096,7 @@
           <a:p>
             <a:fld id="{C8F3AB91-D688-2846-A18C-8D2B3633C5EA}" type="datetimeFigureOut">
               <a:rPr lang="en-US" smtClean="0"/>
-              <a:t>12/1/15</a:t>
+              <a:t>12/7/15</a:t>
             </a:fld>
             <a:endParaRPr lang="en-US"/>
           </a:p>
@@ -2348,7 +2353,7 @@
           <a:p>
             <a:fld id="{C8F3AB91-D688-2846-A18C-8D2B3633C5EA}" type="datetimeFigureOut">
               <a:rPr lang="en-US" smtClean="0"/>
-              <a:t>12/1/15</a:t>
+              <a:t>12/7/15</a:t>
             </a:fld>
             <a:endParaRPr lang="en-US"/>
           </a:p>
@@ -2561,7 +2566,7 @@
           <a:p>
             <a:fld id="{C8F3AB91-D688-2846-A18C-8D2B3633C5EA}" type="datetimeFigureOut">
               <a:rPr lang="en-US" smtClean="0"/>
-              <a:t>12/1/15</a:t>
+              <a:t>12/7/15</a:t>
             </a:fld>
             <a:endParaRPr lang="en-US"/>
           </a:p>
@@ -3488,63 +3493,7 @@
                 </a:effectLst>
                 <a:latin typeface="Arial" charset="0"/>
               </a:rPr>
-              <a:t>I. </a:t>
-            </a:r>
-            <a:r>
-              <a:rPr lang="en-US" sz="5400" b="1" dirty="0" smtClean="0">
-                <a:ln w="17780" cmpd="sng">
-                  <a:noFill/>
-                  <a:prstDash val="solid"/>
-                  <a:miter lim="800000"/>
-                </a:ln>
-                <a:gradFill rotWithShape="1">
-                  <a:gsLst>
-                    <a:gs pos="0">
-                      <a:srgbClr val="000000">
-                        <a:tint val="92000"/>
-                        <a:shade val="100000"/>
-                        <a:satMod val="150000"/>
-                      </a:srgbClr>
-                    </a:gs>
-                    <a:gs pos="49000">
-                      <a:srgbClr val="000000">
-                        <a:tint val="89000"/>
-                        <a:shade val="90000"/>
-                        <a:satMod val="150000"/>
-                      </a:srgbClr>
-                    </a:gs>
-                    <a:gs pos="50000">
-                      <a:srgbClr val="000000">
-                        <a:tint val="100000"/>
-                        <a:shade val="75000"/>
-                        <a:satMod val="150000"/>
-                      </a:srgbClr>
-                    </a:gs>
-                    <a:gs pos="95000">
-                      <a:srgbClr val="000000">
-                        <a:shade val="47000"/>
-                        <a:satMod val="150000"/>
-                      </a:srgbClr>
-                    </a:gs>
-                    <a:gs pos="100000">
-                      <a:srgbClr val="000000">
-                        <a:shade val="39000"/>
-                        <a:satMod val="150000"/>
-                      </a:srgbClr>
-                    </a:gs>
-                  </a:gsLst>
-                  <a:lin ang="5400000"/>
-                </a:gradFill>
-                <a:effectLst>
-                  <a:outerShdw blurRad="50800" dist="38100" dir="2700000" algn="tl" rotWithShape="0">
-                    <a:prstClr val="black">
-                      <a:alpha val="40000"/>
-                    </a:prstClr>
-                  </a:outerShdw>
-                </a:effectLst>
-                <a:latin typeface="Arial" charset="0"/>
-              </a:rPr>
-              <a:t>Introduction</a:t>
+              <a:t>I. Introduction</a:t>
             </a:r>
             <a:endParaRPr lang="en-US" sz="5400" b="1" dirty="0">
               <a:ln w="17780" cmpd="sng">
@@ -4023,6 +3972,845 @@
               </a:effectLst>
               <a:latin typeface="Arial" charset="0"/>
             </a:endParaRPr>
+          </a:p>
+        </p:txBody>
+      </p:sp>
+      <p:sp>
+        <p:nvSpPr>
+          <p:cNvPr id="2" name="TextBox 1"/>
+          <p:cNvSpPr txBox="1"/>
+          <p:nvPr/>
+        </p:nvSpPr>
+        <p:spPr>
+          <a:xfrm>
+            <a:off x="1075765" y="8595360"/>
+            <a:ext cx="11049000" cy="1938992"/>
+          </a:xfrm>
+          <a:prstGeom prst="rect">
+            <a:avLst/>
+          </a:prstGeom>
+          <a:noFill/>
+        </p:spPr>
+        <p:txBody>
+          <a:bodyPr wrap="square" rtlCol="0">
+            <a:spAutoFit/>
+          </a:bodyPr>
+          <a:lstStyle/>
+          <a:p>
+            <a:r>
+              <a:rPr lang="en-US" sz="3000" dirty="0" smtClean="0">
+                <a:latin typeface="Gotham Light" charset="0"/>
+                <a:ea typeface="Gotham Light" charset="0"/>
+                <a:cs typeface="Gotham Light" charset="0"/>
+              </a:rPr>
+              <a:t>-Graphics Processing Units (GPU’s) have recently become popular for their ability to parallelize computations and achieve much greater efficiency as compared to the serial implementation of a CPU. </a:t>
+            </a:r>
+          </a:p>
+        </p:txBody>
+      </p:sp>
+      <p:pic>
+        <p:nvPicPr>
+          <p:cNvPr id="3" name="Picture 2"/>
+          <p:cNvPicPr>
+            <a:picLocks noChangeAspect="1"/>
+          </p:cNvPicPr>
+          <p:nvPr/>
+        </p:nvPicPr>
+        <p:blipFill rotWithShape="1">
+          <a:blip r:embed="rId3">
+            <a:extLst>
+              <a:ext uri="{28A0092B-C50C-407E-A947-70E740481C1C}">
+                <a14:useLocalDpi xmlns:a14="http://schemas.microsoft.com/office/drawing/2010/main" val="0"/>
+              </a:ext>
+            </a:extLst>
+          </a:blip>
+          <a:srcRect l="2945" t="16679"/>
+          <a:stretch/>
+        </p:blipFill>
+        <p:spPr>
+          <a:xfrm>
+            <a:off x="527125" y="10490777"/>
+            <a:ext cx="11048999" cy="4057510"/>
+          </a:xfrm>
+          <a:prstGeom prst="rect">
+            <a:avLst/>
+          </a:prstGeom>
+        </p:spPr>
+      </p:pic>
+      <p:sp>
+        <p:nvSpPr>
+          <p:cNvPr id="6" name="TextBox 5"/>
+          <p:cNvSpPr txBox="1"/>
+          <p:nvPr/>
+        </p:nvSpPr>
+        <p:spPr>
+          <a:xfrm>
+            <a:off x="4917768" y="12020019"/>
+            <a:ext cx="1133856" cy="1129412"/>
+          </a:xfrm>
+          <a:prstGeom prst="rect">
+            <a:avLst/>
+          </a:prstGeom>
+          <a:noFill/>
+        </p:spPr>
+        <p:txBody>
+          <a:bodyPr wrap="square" rtlCol="0">
+            <a:spAutoFit/>
+          </a:bodyPr>
+          <a:lstStyle/>
+          <a:p>
+            <a:r>
+              <a:rPr lang="en-US" smtClean="0"/>
+              <a:t>VS</a:t>
+            </a:r>
+            <a:endParaRPr lang="en-US"/>
+          </a:p>
+        </p:txBody>
+      </p:sp>
+      <p:sp>
+        <p:nvSpPr>
+          <p:cNvPr id="15" name="TextBox 14"/>
+          <p:cNvSpPr txBox="1"/>
+          <p:nvPr/>
+        </p:nvSpPr>
+        <p:spPr>
+          <a:xfrm>
+            <a:off x="1075765" y="14548287"/>
+            <a:ext cx="11049000" cy="830997"/>
+          </a:xfrm>
+          <a:prstGeom prst="rect">
+            <a:avLst/>
+          </a:prstGeom>
+          <a:noFill/>
+        </p:spPr>
+        <p:txBody>
+          <a:bodyPr wrap="square" rtlCol="0">
+            <a:spAutoFit/>
+          </a:bodyPr>
+          <a:lstStyle/>
+          <a:p>
+            <a:r>
+              <a:rPr lang="en-US" sz="2400" i="1" dirty="0" smtClean="0">
+                <a:latin typeface="Gotham Light" charset="0"/>
+                <a:ea typeface="Gotham Light" charset="0"/>
+                <a:cs typeface="Gotham Light" charset="0"/>
+              </a:rPr>
+              <a:t>Fig 1. The GPU’s parallel architecture allows it to parallelize massive computations.</a:t>
+            </a:r>
+            <a:endParaRPr lang="en-US" sz="2400" i="1" dirty="0">
+              <a:latin typeface="Gotham Light" charset="0"/>
+              <a:ea typeface="Gotham Light" charset="0"/>
+              <a:cs typeface="Gotham Light" charset="0"/>
+            </a:endParaRPr>
+          </a:p>
+        </p:txBody>
+      </p:sp>
+      <p:sp>
+        <p:nvSpPr>
+          <p:cNvPr id="16" name="TextBox 15"/>
+          <p:cNvSpPr txBox="1"/>
+          <p:nvPr/>
+        </p:nvSpPr>
+        <p:spPr>
+          <a:xfrm>
+            <a:off x="1075765" y="15685041"/>
+            <a:ext cx="11049000" cy="2862322"/>
+          </a:xfrm>
+          <a:prstGeom prst="rect">
+            <a:avLst/>
+          </a:prstGeom>
+          <a:noFill/>
+        </p:spPr>
+        <p:txBody>
+          <a:bodyPr wrap="square" rtlCol="0">
+            <a:spAutoFit/>
+          </a:bodyPr>
+          <a:lstStyle/>
+          <a:p>
+            <a:r>
+              <a:rPr lang="en-US" sz="3000" dirty="0" smtClean="0">
+                <a:latin typeface="Gotham Light" charset="0"/>
+                <a:ea typeface="Gotham Light" charset="0"/>
+                <a:cs typeface="Gotham Light" charset="0"/>
+              </a:rPr>
+              <a:t>-</a:t>
+            </a:r>
+            <a:r>
+              <a:rPr lang="en-US" sz="3000" b="1" dirty="0" smtClean="0">
+                <a:latin typeface="Gotham Bold" charset="0"/>
+                <a:ea typeface="Gotham Bold" charset="0"/>
+                <a:cs typeface="Gotham Bold" charset="0"/>
+              </a:rPr>
+              <a:t>Our objective </a:t>
+            </a:r>
+            <a:r>
+              <a:rPr lang="en-US" sz="3000" dirty="0" smtClean="0">
+                <a:latin typeface="Gotham Light" charset="0"/>
+                <a:ea typeface="Gotham Light" charset="0"/>
+                <a:cs typeface="Gotham Light" charset="0"/>
+              </a:rPr>
+              <a:t>is to utilize the GPU’s ability to accelerate computer vision applications like edge detection, motion tracking, and face recognition. Due to the proliferation of computer vision in many regular tasks, this affords us an opportunity to explore how to make such common tasks more efficient.</a:t>
+            </a:r>
+          </a:p>
+        </p:txBody>
+      </p:sp>
+      <p:pic>
+        <p:nvPicPr>
+          <p:cNvPr id="7" name="Picture 6"/>
+          <p:cNvPicPr>
+            <a:picLocks noChangeAspect="1"/>
+          </p:cNvPicPr>
+          <p:nvPr/>
+        </p:nvPicPr>
+        <p:blipFill>
+          <a:blip r:embed="rId4">
+            <a:extLst>
+              <a:ext uri="{28A0092B-C50C-407E-A947-70E740481C1C}">
+                <a14:useLocalDpi xmlns:a14="http://schemas.microsoft.com/office/drawing/2010/main" val="0"/>
+              </a:ext>
+            </a:extLst>
+          </a:blip>
+          <a:stretch>
+            <a:fillRect/>
+          </a:stretch>
+        </p:blipFill>
+        <p:spPr>
+          <a:xfrm>
+            <a:off x="27595696" y="8851393"/>
+            <a:ext cx="11449088" cy="5925312"/>
+          </a:xfrm>
+          <a:prstGeom prst="rect">
+            <a:avLst/>
+          </a:prstGeom>
+        </p:spPr>
+      </p:pic>
+      <p:pic>
+        <p:nvPicPr>
+          <p:cNvPr id="17" name="Picture 16"/>
+          <p:cNvPicPr>
+            <a:picLocks noChangeAspect="1"/>
+          </p:cNvPicPr>
+          <p:nvPr/>
+        </p:nvPicPr>
+        <p:blipFill>
+          <a:blip r:embed="rId5">
+            <a:extLst>
+              <a:ext uri="{28A0092B-C50C-407E-A947-70E740481C1C}">
+                <a14:useLocalDpi xmlns:a14="http://schemas.microsoft.com/office/drawing/2010/main" val="0"/>
+              </a:ext>
+            </a:extLst>
+          </a:blip>
+          <a:stretch>
+            <a:fillRect/>
+          </a:stretch>
+        </p:blipFill>
+        <p:spPr>
+          <a:xfrm>
+            <a:off x="27595696" y="14636768"/>
+            <a:ext cx="11400775" cy="6113961"/>
+          </a:xfrm>
+          <a:prstGeom prst="rect">
+            <a:avLst/>
+          </a:prstGeom>
+        </p:spPr>
+      </p:pic>
+      <p:sp>
+        <p:nvSpPr>
+          <p:cNvPr id="18" name="Oval 17"/>
+          <p:cNvSpPr/>
+          <p:nvPr/>
+        </p:nvSpPr>
+        <p:spPr>
+          <a:xfrm flipH="1">
+            <a:off x="29070301" y="12020550"/>
+            <a:ext cx="171450" cy="171450"/>
+          </a:xfrm>
+          <a:prstGeom prst="ellipse">
+            <a:avLst/>
+          </a:prstGeom>
+        </p:spPr>
+        <p:style>
+          <a:lnRef idx="2">
+            <a:schemeClr val="accent1">
+              <a:shade val="50000"/>
+            </a:schemeClr>
+          </a:lnRef>
+          <a:fillRef idx="1">
+            <a:schemeClr val="accent1"/>
+          </a:fillRef>
+          <a:effectRef idx="0">
+            <a:schemeClr val="accent1"/>
+          </a:effectRef>
+          <a:fontRef idx="minor">
+            <a:schemeClr val="lt1"/>
+          </a:fontRef>
+        </p:style>
+        <p:txBody>
+          <a:bodyPr rtlCol="0" anchor="ctr"/>
+          <a:lstStyle/>
+          <a:p>
+            <a:pPr algn="ctr"/>
+            <a:endParaRPr lang="en-US"/>
+          </a:p>
+        </p:txBody>
+      </p:sp>
+      <p:sp>
+        <p:nvSpPr>
+          <p:cNvPr id="21" name="Oval 20"/>
+          <p:cNvSpPr/>
+          <p:nvPr/>
+        </p:nvSpPr>
+        <p:spPr>
+          <a:xfrm flipH="1">
+            <a:off x="29241751" y="11944350"/>
+            <a:ext cx="171450" cy="171450"/>
+          </a:xfrm>
+          <a:prstGeom prst="ellipse">
+            <a:avLst/>
+          </a:prstGeom>
+        </p:spPr>
+        <p:style>
+          <a:lnRef idx="2">
+            <a:schemeClr val="accent1">
+              <a:shade val="50000"/>
+            </a:schemeClr>
+          </a:lnRef>
+          <a:fillRef idx="1">
+            <a:schemeClr val="accent1"/>
+          </a:fillRef>
+          <a:effectRef idx="0">
+            <a:schemeClr val="accent1"/>
+          </a:effectRef>
+          <a:fontRef idx="minor">
+            <a:schemeClr val="lt1"/>
+          </a:fontRef>
+        </p:style>
+        <p:txBody>
+          <a:bodyPr rtlCol="0" anchor="ctr"/>
+          <a:lstStyle/>
+          <a:p>
+            <a:pPr algn="ctr"/>
+            <a:endParaRPr lang="en-US"/>
+          </a:p>
+        </p:txBody>
+      </p:sp>
+      <p:sp>
+        <p:nvSpPr>
+          <p:cNvPr id="22" name="Oval 21"/>
+          <p:cNvSpPr/>
+          <p:nvPr/>
+        </p:nvSpPr>
+        <p:spPr>
+          <a:xfrm flipH="1">
+            <a:off x="29927551" y="12668250"/>
+            <a:ext cx="171450" cy="171450"/>
+          </a:xfrm>
+          <a:prstGeom prst="ellipse">
+            <a:avLst/>
+          </a:prstGeom>
+        </p:spPr>
+        <p:style>
+          <a:lnRef idx="2">
+            <a:schemeClr val="accent1">
+              <a:shade val="50000"/>
+            </a:schemeClr>
+          </a:lnRef>
+          <a:fillRef idx="1">
+            <a:schemeClr val="accent1"/>
+          </a:fillRef>
+          <a:effectRef idx="0">
+            <a:schemeClr val="accent1"/>
+          </a:effectRef>
+          <a:fontRef idx="minor">
+            <a:schemeClr val="lt1"/>
+          </a:fontRef>
+        </p:style>
+        <p:txBody>
+          <a:bodyPr rtlCol="0" anchor="ctr"/>
+          <a:lstStyle/>
+          <a:p>
+            <a:pPr algn="ctr"/>
+            <a:endParaRPr lang="en-US"/>
+          </a:p>
+        </p:txBody>
+      </p:sp>
+      <p:sp>
+        <p:nvSpPr>
+          <p:cNvPr id="23" name="Oval 22"/>
+          <p:cNvSpPr/>
+          <p:nvPr/>
+        </p:nvSpPr>
+        <p:spPr>
+          <a:xfrm flipH="1">
+            <a:off x="31013401" y="12877800"/>
+            <a:ext cx="171450" cy="171450"/>
+          </a:xfrm>
+          <a:prstGeom prst="ellipse">
+            <a:avLst/>
+          </a:prstGeom>
+        </p:spPr>
+        <p:style>
+          <a:lnRef idx="2">
+            <a:schemeClr val="accent1">
+              <a:shade val="50000"/>
+            </a:schemeClr>
+          </a:lnRef>
+          <a:fillRef idx="1">
+            <a:schemeClr val="accent1"/>
+          </a:fillRef>
+          <a:effectRef idx="0">
+            <a:schemeClr val="accent1"/>
+          </a:effectRef>
+          <a:fontRef idx="minor">
+            <a:schemeClr val="lt1"/>
+          </a:fontRef>
+        </p:style>
+        <p:txBody>
+          <a:bodyPr rtlCol="0" anchor="ctr"/>
+          <a:lstStyle/>
+          <a:p>
+            <a:pPr algn="ctr"/>
+            <a:endParaRPr lang="en-US"/>
+          </a:p>
+        </p:txBody>
+      </p:sp>
+      <p:sp>
+        <p:nvSpPr>
+          <p:cNvPr id="24" name="Oval 23"/>
+          <p:cNvSpPr/>
+          <p:nvPr/>
+        </p:nvSpPr>
+        <p:spPr>
+          <a:xfrm flipH="1">
+            <a:off x="32556451" y="13182600"/>
+            <a:ext cx="171450" cy="171450"/>
+          </a:xfrm>
+          <a:prstGeom prst="ellipse">
+            <a:avLst/>
+          </a:prstGeom>
+        </p:spPr>
+        <p:style>
+          <a:lnRef idx="2">
+            <a:schemeClr val="accent1">
+              <a:shade val="50000"/>
+            </a:schemeClr>
+          </a:lnRef>
+          <a:fillRef idx="1">
+            <a:schemeClr val="accent1"/>
+          </a:fillRef>
+          <a:effectRef idx="0">
+            <a:schemeClr val="accent1"/>
+          </a:effectRef>
+          <a:fontRef idx="minor">
+            <a:schemeClr val="lt1"/>
+          </a:fontRef>
+        </p:style>
+        <p:txBody>
+          <a:bodyPr rtlCol="0" anchor="ctr"/>
+          <a:lstStyle/>
+          <a:p>
+            <a:pPr algn="ctr"/>
+            <a:endParaRPr lang="en-US"/>
+          </a:p>
+        </p:txBody>
+      </p:sp>
+      <p:sp>
+        <p:nvSpPr>
+          <p:cNvPr id="27" name="Oval 26"/>
+          <p:cNvSpPr/>
+          <p:nvPr/>
+        </p:nvSpPr>
+        <p:spPr>
+          <a:xfrm flipH="1">
+            <a:off x="34575751" y="13277850"/>
+            <a:ext cx="171450" cy="171450"/>
+          </a:xfrm>
+          <a:prstGeom prst="ellipse">
+            <a:avLst/>
+          </a:prstGeom>
+        </p:spPr>
+        <p:style>
+          <a:lnRef idx="2">
+            <a:schemeClr val="accent1">
+              <a:shade val="50000"/>
+            </a:schemeClr>
+          </a:lnRef>
+          <a:fillRef idx="1">
+            <a:schemeClr val="accent1"/>
+          </a:fillRef>
+          <a:effectRef idx="0">
+            <a:schemeClr val="accent1"/>
+          </a:effectRef>
+          <a:fontRef idx="minor">
+            <a:schemeClr val="lt1"/>
+          </a:fontRef>
+        </p:style>
+        <p:txBody>
+          <a:bodyPr rtlCol="0" anchor="ctr"/>
+          <a:lstStyle/>
+          <a:p>
+            <a:pPr algn="ctr"/>
+            <a:endParaRPr lang="en-US"/>
+          </a:p>
+        </p:txBody>
+      </p:sp>
+      <p:sp>
+        <p:nvSpPr>
+          <p:cNvPr id="28" name="Oval 27"/>
+          <p:cNvSpPr/>
+          <p:nvPr/>
+        </p:nvSpPr>
+        <p:spPr>
+          <a:xfrm flipH="1">
+            <a:off x="36995101" y="13449300"/>
+            <a:ext cx="171450" cy="171450"/>
+          </a:xfrm>
+          <a:prstGeom prst="ellipse">
+            <a:avLst/>
+          </a:prstGeom>
+        </p:spPr>
+        <p:style>
+          <a:lnRef idx="2">
+            <a:schemeClr val="accent1">
+              <a:shade val="50000"/>
+            </a:schemeClr>
+          </a:lnRef>
+          <a:fillRef idx="1">
+            <a:schemeClr val="accent1"/>
+          </a:fillRef>
+          <a:effectRef idx="0">
+            <a:schemeClr val="accent1"/>
+          </a:effectRef>
+          <a:fontRef idx="minor">
+            <a:schemeClr val="lt1"/>
+          </a:fontRef>
+        </p:style>
+        <p:txBody>
+          <a:bodyPr rtlCol="0" anchor="ctr"/>
+          <a:lstStyle/>
+          <a:p>
+            <a:pPr algn="ctr"/>
+            <a:endParaRPr lang="en-US"/>
+          </a:p>
+        </p:txBody>
+      </p:sp>
+      <p:sp>
+        <p:nvSpPr>
+          <p:cNvPr id="29" name="Oval 28"/>
+          <p:cNvSpPr/>
+          <p:nvPr/>
+        </p:nvSpPr>
+        <p:spPr>
+          <a:xfrm flipH="1">
+            <a:off x="37261801" y="15582900"/>
+            <a:ext cx="171450" cy="171450"/>
+          </a:xfrm>
+          <a:prstGeom prst="ellipse">
+            <a:avLst/>
+          </a:prstGeom>
+        </p:spPr>
+        <p:style>
+          <a:lnRef idx="2">
+            <a:schemeClr val="accent1">
+              <a:shade val="50000"/>
+            </a:schemeClr>
+          </a:lnRef>
+          <a:fillRef idx="1">
+            <a:schemeClr val="accent1"/>
+          </a:fillRef>
+          <a:effectRef idx="0">
+            <a:schemeClr val="accent1"/>
+          </a:effectRef>
+          <a:fontRef idx="minor">
+            <a:schemeClr val="lt1"/>
+          </a:fontRef>
+        </p:style>
+        <p:txBody>
+          <a:bodyPr rtlCol="0" anchor="ctr"/>
+          <a:lstStyle/>
+          <a:p>
+            <a:pPr algn="ctr"/>
+            <a:endParaRPr lang="en-US"/>
+          </a:p>
+        </p:txBody>
+      </p:sp>
+      <p:sp>
+        <p:nvSpPr>
+          <p:cNvPr id="31" name="Oval 30"/>
+          <p:cNvSpPr/>
+          <p:nvPr/>
+        </p:nvSpPr>
+        <p:spPr>
+          <a:xfrm flipH="1">
+            <a:off x="34328101" y="15735300"/>
+            <a:ext cx="171450" cy="171450"/>
+          </a:xfrm>
+          <a:prstGeom prst="ellipse">
+            <a:avLst/>
+          </a:prstGeom>
+        </p:spPr>
+        <p:style>
+          <a:lnRef idx="2">
+            <a:schemeClr val="accent1">
+              <a:shade val="50000"/>
+            </a:schemeClr>
+          </a:lnRef>
+          <a:fillRef idx="1">
+            <a:schemeClr val="accent1"/>
+          </a:fillRef>
+          <a:effectRef idx="0">
+            <a:schemeClr val="accent1"/>
+          </a:effectRef>
+          <a:fontRef idx="minor">
+            <a:schemeClr val="lt1"/>
+          </a:fontRef>
+        </p:style>
+        <p:txBody>
+          <a:bodyPr rtlCol="0" anchor="ctr"/>
+          <a:lstStyle/>
+          <a:p>
+            <a:pPr algn="ctr"/>
+            <a:endParaRPr lang="en-US"/>
+          </a:p>
+        </p:txBody>
+      </p:sp>
+      <p:sp>
+        <p:nvSpPr>
+          <p:cNvPr id="32" name="Oval 31"/>
+          <p:cNvSpPr/>
+          <p:nvPr/>
+        </p:nvSpPr>
+        <p:spPr>
+          <a:xfrm flipH="1">
+            <a:off x="32689801" y="15716250"/>
+            <a:ext cx="171450" cy="171450"/>
+          </a:xfrm>
+          <a:prstGeom prst="ellipse">
+            <a:avLst/>
+          </a:prstGeom>
+        </p:spPr>
+        <p:style>
+          <a:lnRef idx="2">
+            <a:schemeClr val="accent1">
+              <a:shade val="50000"/>
+            </a:schemeClr>
+          </a:lnRef>
+          <a:fillRef idx="1">
+            <a:schemeClr val="accent1"/>
+          </a:fillRef>
+          <a:effectRef idx="0">
+            <a:schemeClr val="accent1"/>
+          </a:effectRef>
+          <a:fontRef idx="minor">
+            <a:schemeClr val="lt1"/>
+          </a:fontRef>
+        </p:style>
+        <p:txBody>
+          <a:bodyPr rtlCol="0" anchor="ctr"/>
+          <a:lstStyle/>
+          <a:p>
+            <a:pPr algn="ctr"/>
+            <a:endParaRPr lang="en-US"/>
+          </a:p>
+        </p:txBody>
+      </p:sp>
+      <p:sp>
+        <p:nvSpPr>
+          <p:cNvPr id="33" name="Oval 32"/>
+          <p:cNvSpPr/>
+          <p:nvPr/>
+        </p:nvSpPr>
+        <p:spPr>
+          <a:xfrm flipH="1">
+            <a:off x="31337251" y="16021050"/>
+            <a:ext cx="171450" cy="171450"/>
+          </a:xfrm>
+          <a:prstGeom prst="ellipse">
+            <a:avLst/>
+          </a:prstGeom>
+        </p:spPr>
+        <p:style>
+          <a:lnRef idx="2">
+            <a:schemeClr val="accent1">
+              <a:shade val="50000"/>
+            </a:schemeClr>
+          </a:lnRef>
+          <a:fillRef idx="1">
+            <a:schemeClr val="accent1"/>
+          </a:fillRef>
+          <a:effectRef idx="0">
+            <a:schemeClr val="accent1"/>
+          </a:effectRef>
+          <a:fontRef idx="minor">
+            <a:schemeClr val="lt1"/>
+          </a:fontRef>
+        </p:style>
+        <p:txBody>
+          <a:bodyPr rtlCol="0" anchor="ctr"/>
+          <a:lstStyle/>
+          <a:p>
+            <a:pPr algn="ctr"/>
+            <a:endParaRPr lang="en-US"/>
+          </a:p>
+        </p:txBody>
+      </p:sp>
+      <p:sp>
+        <p:nvSpPr>
+          <p:cNvPr id="34" name="Oval 33"/>
+          <p:cNvSpPr/>
+          <p:nvPr/>
+        </p:nvSpPr>
+        <p:spPr>
+          <a:xfrm flipH="1">
+            <a:off x="30346651" y="15735300"/>
+            <a:ext cx="171450" cy="171450"/>
+          </a:xfrm>
+          <a:prstGeom prst="ellipse">
+            <a:avLst/>
+          </a:prstGeom>
+        </p:spPr>
+        <p:style>
+          <a:lnRef idx="2">
+            <a:schemeClr val="accent1">
+              <a:shade val="50000"/>
+            </a:schemeClr>
+          </a:lnRef>
+          <a:fillRef idx="1">
+            <a:schemeClr val="accent1"/>
+          </a:fillRef>
+          <a:effectRef idx="0">
+            <a:schemeClr val="accent1"/>
+          </a:effectRef>
+          <a:fontRef idx="minor">
+            <a:schemeClr val="lt1"/>
+          </a:fontRef>
+        </p:style>
+        <p:txBody>
+          <a:bodyPr rtlCol="0" anchor="ctr"/>
+          <a:lstStyle/>
+          <a:p>
+            <a:pPr algn="ctr"/>
+            <a:endParaRPr lang="en-US"/>
+          </a:p>
+        </p:txBody>
+      </p:sp>
+      <p:sp>
+        <p:nvSpPr>
+          <p:cNvPr id="35" name="Oval 34"/>
+          <p:cNvSpPr/>
+          <p:nvPr/>
+        </p:nvSpPr>
+        <p:spPr>
+          <a:xfrm flipH="1">
+            <a:off x="29584651" y="16021050"/>
+            <a:ext cx="171450" cy="171450"/>
+          </a:xfrm>
+          <a:prstGeom prst="ellipse">
+            <a:avLst/>
+          </a:prstGeom>
+        </p:spPr>
+        <p:style>
+          <a:lnRef idx="2">
+            <a:schemeClr val="accent1">
+              <a:shade val="50000"/>
+            </a:schemeClr>
+          </a:lnRef>
+          <a:fillRef idx="1">
+            <a:schemeClr val="accent1"/>
+          </a:fillRef>
+          <a:effectRef idx="0">
+            <a:schemeClr val="accent1"/>
+          </a:effectRef>
+          <a:fontRef idx="minor">
+            <a:schemeClr val="lt1"/>
+          </a:fontRef>
+        </p:style>
+        <p:txBody>
+          <a:bodyPr rtlCol="0" anchor="ctr"/>
+          <a:lstStyle/>
+          <a:p>
+            <a:pPr algn="ctr"/>
+            <a:endParaRPr lang="en-US"/>
+          </a:p>
+        </p:txBody>
+      </p:sp>
+      <p:sp>
+        <p:nvSpPr>
+          <p:cNvPr id="36" name="Oval 35"/>
+          <p:cNvSpPr/>
+          <p:nvPr/>
+        </p:nvSpPr>
+        <p:spPr>
+          <a:xfrm flipH="1">
+            <a:off x="29165551" y="15754350"/>
+            <a:ext cx="171450" cy="171450"/>
+          </a:xfrm>
+          <a:prstGeom prst="ellipse">
+            <a:avLst/>
+          </a:prstGeom>
+        </p:spPr>
+        <p:style>
+          <a:lnRef idx="2">
+            <a:schemeClr val="accent1">
+              <a:shade val="50000"/>
+            </a:schemeClr>
+          </a:lnRef>
+          <a:fillRef idx="1">
+            <a:schemeClr val="accent1"/>
+          </a:fillRef>
+          <a:effectRef idx="0">
+            <a:schemeClr val="accent1"/>
+          </a:effectRef>
+          <a:fontRef idx="minor">
+            <a:schemeClr val="lt1"/>
+          </a:fontRef>
+        </p:style>
+        <p:txBody>
+          <a:bodyPr rtlCol="0" anchor="ctr"/>
+          <a:lstStyle/>
+          <a:p>
+            <a:pPr algn="ctr"/>
+            <a:endParaRPr lang="en-US"/>
+          </a:p>
+        </p:txBody>
+      </p:sp>
+      <p:sp>
+        <p:nvSpPr>
+          <p:cNvPr id="37" name="Oval 36"/>
+          <p:cNvSpPr/>
+          <p:nvPr/>
+        </p:nvSpPr>
+        <p:spPr>
+          <a:xfrm flipH="1">
+            <a:off x="29070301" y="16402050"/>
+            <a:ext cx="171450" cy="171450"/>
+          </a:xfrm>
+          <a:prstGeom prst="ellipse">
+            <a:avLst/>
+          </a:prstGeom>
+        </p:spPr>
+        <p:style>
+          <a:lnRef idx="2">
+            <a:schemeClr val="accent1">
+              <a:shade val="50000"/>
+            </a:schemeClr>
+          </a:lnRef>
+          <a:fillRef idx="1">
+            <a:schemeClr val="accent1"/>
+          </a:fillRef>
+          <a:effectRef idx="0">
+            <a:schemeClr val="accent1"/>
+          </a:effectRef>
+          <a:fontRef idx="minor">
+            <a:schemeClr val="lt1"/>
+          </a:fontRef>
+        </p:style>
+        <p:txBody>
+          <a:bodyPr rtlCol="0" anchor="ctr"/>
+          <a:lstStyle/>
+          <a:p>
+            <a:pPr algn="ctr"/>
+            <a:endParaRPr lang="en-US"/>
           </a:p>
         </p:txBody>
       </p:sp>
